--- a/semaine2/CO12AL-W2-VIDEO01-SLIDE02.pptx
+++ b/semaine2/CO12AL-W2-VIDEO01-SLIDE02.pptx
@@ -13,7 +13,7 @@
   <p:sldIdLst>
     <p:sldId id="897" r:id="rId2"/>
   </p:sldIdLst>
-  <p:sldSz cx="9144000" cy="6858000" type="screen4x3"/>
+  <p:sldSz cx="12192000" cy="6858000"/>
   <p:notesSz cx="7099300" cy="10234613"/>
   <p:defaultTextStyle>
     <a:defPPr>
@@ -152,12 +152,12 @@
     </p:ext>
     <p:ext uri="{EFAFB233-063F-42B5-8137-9DF3F51BA10A}">
       <p15:sldGuideLst xmlns:p15="http://schemas.microsoft.com/office/powerpoint/2012/main">
-        <p15:guide id="1" orient="horz" pos="2160">
+        <p15:guide id="1" orient="horz" pos="2160" userDrawn="1">
           <p15:clr>
             <a:srgbClr val="A4A3A4"/>
           </p15:clr>
         </p15:guide>
-        <p15:guide id="2" pos="2880">
+        <p15:guide id="2" pos="3840" userDrawn="1">
           <p15:clr>
             <a:srgbClr val="A4A3A4"/>
           </p15:clr>
@@ -560,8 +560,8 @@
         </p:nvSpPr>
         <p:spPr bwMode="auto">
           <a:xfrm>
-            <a:off x="992188" y="768350"/>
-            <a:ext cx="5116512" cy="3836988"/>
+            <a:off x="141288" y="768350"/>
+            <a:ext cx="6818312" cy="3836988"/>
           </a:xfrm>
           <a:prstGeom prst="rect">
             <a:avLst/>
@@ -928,7 +928,12 @@
             <p:ph type="sldImg"/>
           </p:nvPr>
         </p:nvSpPr>
-        <p:spPr/>
+        <p:spPr>
+          <a:xfrm>
+            <a:off x="141288" y="768350"/>
+            <a:ext cx="6818312" cy="3836988"/>
+          </a:xfrm>
+        </p:spPr>
       </p:sp>
       <p:sp>
         <p:nvSpPr>
@@ -1024,8 +1029,8 @@
         </p:nvSpPr>
         <p:spPr>
           <a:xfrm>
-            <a:off x="685800" y="1219200"/>
-            <a:ext cx="7772400" cy="1470025"/>
+            <a:off x="914400" y="1219201"/>
+            <a:ext cx="10363200" cy="1470025"/>
           </a:xfrm>
         </p:spPr>
         <p:txBody>
@@ -1055,8 +1060,8 @@
         </p:nvSpPr>
         <p:spPr>
           <a:xfrm>
-            <a:off x="1295400" y="3048000"/>
-            <a:ext cx="6400800" cy="1752600"/>
+            <a:off x="1727200" y="3048000"/>
+            <a:ext cx="8534400" cy="1752600"/>
           </a:xfrm>
         </p:spPr>
         <p:txBody>
@@ -1088,8 +1093,8 @@
         </p:nvSpPr>
         <p:spPr>
           <a:xfrm>
-            <a:off x="457200" y="6248400"/>
-            <a:ext cx="2895600" cy="476250"/>
+            <a:off x="609600" y="6248400"/>
+            <a:ext cx="3860800" cy="476250"/>
           </a:xfrm>
         </p:spPr>
         <p:txBody>
@@ -1123,8 +1128,8 @@
         </p:nvSpPr>
         <p:spPr>
           <a:xfrm>
-            <a:off x="6553200" y="6245225"/>
-            <a:ext cx="2133600" cy="476250"/>
+            <a:off x="8737600" y="6245225"/>
+            <a:ext cx="2844800" cy="476250"/>
           </a:xfrm>
         </p:spPr>
         <p:txBody>
@@ -1363,8 +1368,8 @@
         </p:nvSpPr>
         <p:spPr>
           <a:xfrm>
-            <a:off x="6629400" y="274638"/>
-            <a:ext cx="2057400" cy="5851525"/>
+            <a:off x="8839200" y="274639"/>
+            <a:ext cx="2743200" cy="5851525"/>
           </a:xfrm>
         </p:spPr>
         <p:txBody>
@@ -1391,8 +1396,8 @@
         </p:nvSpPr>
         <p:spPr>
           <a:xfrm>
-            <a:off x="457200" y="274638"/>
-            <a:ext cx="6019800" cy="5851525"/>
+            <a:off x="609600" y="274639"/>
+            <a:ext cx="8026400" cy="5851525"/>
           </a:xfrm>
         </p:spPr>
         <p:txBody>
@@ -1541,8 +1546,8 @@
         </p:nvSpPr>
         <p:spPr>
           <a:xfrm>
-            <a:off x="457200" y="274638"/>
-            <a:ext cx="8229600" cy="1143000"/>
+            <a:off x="609600" y="274638"/>
+            <a:ext cx="10972800" cy="1143000"/>
           </a:xfrm>
         </p:spPr>
         <p:txBody>
@@ -1569,8 +1574,8 @@
         </p:nvSpPr>
         <p:spPr>
           <a:xfrm>
-            <a:off x="457200" y="1600200"/>
-            <a:ext cx="4038600" cy="4525963"/>
+            <a:off x="609600" y="1600201"/>
+            <a:ext cx="5384800" cy="4525963"/>
           </a:xfrm>
         </p:spPr>
         <p:txBody>
@@ -1626,8 +1631,8 @@
         </p:nvSpPr>
         <p:spPr>
           <a:xfrm>
-            <a:off x="4648200" y="1600200"/>
-            <a:ext cx="4038600" cy="4525963"/>
+            <a:off x="6197600" y="1600201"/>
+            <a:ext cx="5384800" cy="4525963"/>
           </a:xfrm>
         </p:spPr>
         <p:txBody>
@@ -1951,8 +1956,8 @@
         </p:nvSpPr>
         <p:spPr>
           <a:xfrm>
-            <a:off x="722313" y="4406900"/>
-            <a:ext cx="7772400" cy="1362075"/>
+            <a:off x="963084" y="4406901"/>
+            <a:ext cx="10363200" cy="1362075"/>
           </a:xfrm>
         </p:spPr>
         <p:txBody>
@@ -1983,8 +1988,8 @@
         </p:nvSpPr>
         <p:spPr>
           <a:xfrm>
-            <a:off x="722313" y="2906713"/>
-            <a:ext cx="7772400" cy="1500187"/>
+            <a:off x="963084" y="2906713"/>
+            <a:ext cx="10363200" cy="1500187"/>
           </a:xfrm>
         </p:spPr>
         <p:txBody>
@@ -2171,8 +2176,8 @@
         </p:nvSpPr>
         <p:spPr>
           <a:xfrm>
-            <a:off x="457200" y="1600200"/>
-            <a:ext cx="4038600" cy="4525963"/>
+            <a:off x="609600" y="1600201"/>
+            <a:ext cx="5384800" cy="4525963"/>
           </a:xfrm>
         </p:spPr>
         <p:txBody>
@@ -2256,8 +2261,8 @@
         </p:nvSpPr>
         <p:spPr>
           <a:xfrm>
-            <a:off x="4648200" y="1600200"/>
-            <a:ext cx="4038600" cy="4525963"/>
+            <a:off x="6197600" y="1600201"/>
+            <a:ext cx="5384800" cy="4525963"/>
           </a:xfrm>
         </p:spPr>
         <p:txBody>
@@ -2468,8 +2473,8 @@
         </p:nvSpPr>
         <p:spPr>
           <a:xfrm>
-            <a:off x="457200" y="1535113"/>
-            <a:ext cx="4040188" cy="639762"/>
+            <a:off x="609600" y="1535113"/>
+            <a:ext cx="5386917" cy="639762"/>
           </a:xfrm>
         </p:spPr>
         <p:txBody>
@@ -2533,8 +2538,8 @@
         </p:nvSpPr>
         <p:spPr>
           <a:xfrm>
-            <a:off x="457200" y="2174875"/>
-            <a:ext cx="4040188" cy="3951288"/>
+            <a:off x="609600" y="2174875"/>
+            <a:ext cx="5386917" cy="3951288"/>
           </a:xfrm>
         </p:spPr>
         <p:txBody>
@@ -2618,8 +2623,8 @@
         </p:nvSpPr>
         <p:spPr>
           <a:xfrm>
-            <a:off x="4645025" y="1535113"/>
-            <a:ext cx="4041775" cy="639762"/>
+            <a:off x="6193368" y="1535113"/>
+            <a:ext cx="5389033" cy="639762"/>
           </a:xfrm>
         </p:spPr>
         <p:txBody>
@@ -2683,8 +2688,8 @@
         </p:nvSpPr>
         <p:spPr>
           <a:xfrm>
-            <a:off x="4645025" y="2174875"/>
-            <a:ext cx="4041775" cy="3951288"/>
+            <a:off x="6193368" y="2174875"/>
+            <a:ext cx="5389033" cy="3951288"/>
           </a:xfrm>
         </p:spPr>
         <p:txBody>
@@ -3091,8 +3096,8 @@
         </p:nvSpPr>
         <p:spPr>
           <a:xfrm>
-            <a:off x="457200" y="273050"/>
-            <a:ext cx="3008313" cy="1162050"/>
+            <a:off x="609601" y="273050"/>
+            <a:ext cx="4011084" cy="1162050"/>
           </a:xfrm>
         </p:spPr>
         <p:txBody>
@@ -3123,8 +3128,8 @@
         </p:nvSpPr>
         <p:spPr>
           <a:xfrm>
-            <a:off x="3575050" y="273050"/>
-            <a:ext cx="5111750" cy="5853113"/>
+            <a:off x="4766733" y="273051"/>
+            <a:ext cx="6815667" cy="5853113"/>
           </a:xfrm>
         </p:spPr>
         <p:txBody>
@@ -3208,8 +3213,8 @@
         </p:nvSpPr>
         <p:spPr>
           <a:xfrm>
-            <a:off x="457200" y="1435100"/>
-            <a:ext cx="3008313" cy="4691063"/>
+            <a:off x="609601" y="1435101"/>
+            <a:ext cx="4011084" cy="4691063"/>
           </a:xfrm>
         </p:spPr>
         <p:txBody>
@@ -3366,8 +3371,8 @@
         </p:nvSpPr>
         <p:spPr>
           <a:xfrm>
-            <a:off x="1792288" y="4800600"/>
-            <a:ext cx="5486400" cy="566738"/>
+            <a:off x="2389717" y="4800600"/>
+            <a:ext cx="7315200" cy="566738"/>
           </a:xfrm>
         </p:spPr>
         <p:txBody>
@@ -3398,8 +3403,8 @@
         </p:nvSpPr>
         <p:spPr>
           <a:xfrm>
-            <a:off x="1792288" y="612775"/>
-            <a:ext cx="5486400" cy="4114800"/>
+            <a:off x="2389717" y="612775"/>
+            <a:ext cx="7315200" cy="4114800"/>
           </a:xfrm>
         </p:spPr>
         <p:txBody>
@@ -3460,8 +3465,8 @@
         </p:nvSpPr>
         <p:spPr>
           <a:xfrm>
-            <a:off x="1792288" y="5367338"/>
-            <a:ext cx="5486400" cy="804862"/>
+            <a:off x="2389717" y="5367338"/>
+            <a:ext cx="7315200" cy="804862"/>
           </a:xfrm>
         </p:spPr>
         <p:txBody>
@@ -3626,8 +3631,8 @@
         </p:nvSpPr>
         <p:spPr bwMode="auto">
           <a:xfrm>
-            <a:off x="457200" y="274638"/>
-            <a:ext cx="8229600" cy="1143000"/>
+            <a:off x="609600" y="274638"/>
+            <a:ext cx="10972800" cy="1143000"/>
           </a:xfrm>
           <a:prstGeom prst="rect">
             <a:avLst/>
@@ -3684,8 +3689,8 @@
         </p:nvSpPr>
         <p:spPr bwMode="auto">
           <a:xfrm>
-            <a:off x="457200" y="1600200"/>
-            <a:ext cx="8229600" cy="4525963"/>
+            <a:off x="609600" y="1600201"/>
+            <a:ext cx="10972800" cy="4525963"/>
           </a:xfrm>
           <a:prstGeom prst="rect">
             <a:avLst/>
@@ -3770,8 +3775,8 @@
         </p:nvSpPr>
         <p:spPr bwMode="auto">
           <a:xfrm>
-            <a:off x="0" y="6521450"/>
-            <a:ext cx="3967163" cy="336550"/>
+            <a:off x="1" y="6521450"/>
+            <a:ext cx="5289551" cy="336550"/>
           </a:xfrm>
           <a:prstGeom prst="rect">
             <a:avLst/>
@@ -3825,8 +3830,8 @@
         </p:nvSpPr>
         <p:spPr bwMode="auto">
           <a:xfrm>
-            <a:off x="7772400" y="6248400"/>
-            <a:ext cx="914400" cy="476250"/>
+            <a:off x="10363200" y="6248400"/>
+            <a:ext cx="1219200" cy="476250"/>
           </a:xfrm>
           <a:prstGeom prst="rect">
             <a:avLst/>
@@ -4300,8 +4305,8 @@
         </p:nvSpPr>
         <p:spPr bwMode="auto">
           <a:xfrm>
-            <a:off x="4622800" y="2379784"/>
-            <a:ext cx="3548185" cy="3948335"/>
+            <a:off x="4310763" y="1263234"/>
+            <a:ext cx="3567145" cy="4164549"/>
           </a:xfrm>
           <a:prstGeom prst="rect">
             <a:avLst/>
@@ -4327,32 +4332,12 @@
           </a:bodyPr>
           <a:lstStyle/>
           <a:p>
-            <a:pPr marL="0" marR="0" indent="0" algn="ctr" defTabSz="914400" rtl="0" eaLnBrk="1" fontAlgn="base" latinLnBrk="0" hangingPunct="1">
-              <a:lnSpc>
-                <a:spcPct val="100000"/>
-              </a:lnSpc>
+            <a:pPr algn="ctr">
               <a:spcBef>
                 <a:spcPct val="50000"/>
               </a:spcBef>
-              <a:spcAft>
-                <a:spcPct val="0"/>
-              </a:spcAft>
-              <a:buClrTx/>
-              <a:buSzTx/>
-              <a:buFontTx/>
-              <a:buNone/>
-              <a:tabLst/>
             </a:pPr>
-            <a:endParaRPr kumimoji="0" lang="fr-FR" sz="2400" b="0" i="0" u="none" strike="noStrike" cap="none" normalizeH="0" baseline="0" smtClean="0">
-              <a:ln>
-                <a:noFill/>
-              </a:ln>
-              <a:solidFill>
-                <a:schemeClr val="tx1"/>
-              </a:solidFill>
-              <a:effectLst/>
-              <a:latin typeface="Comic Sans MS" pitchFamily="66" charset="0"/>
-            </a:endParaRPr>
+            <a:endParaRPr lang="fr-FR"/>
           </a:p>
         </p:txBody>
       </p:sp>
@@ -4364,7 +4349,7 @@
         </p:nvSpPr>
         <p:spPr>
           <a:xfrm>
-            <a:off x="5188527" y="1456454"/>
+            <a:off x="4813389" y="413101"/>
             <a:ext cx="3454400" cy="923330"/>
           </a:xfrm>
           <a:prstGeom prst="rect">
@@ -4379,7 +4364,7 @@
           <a:lstStyle/>
           <a:p>
             <a:r>
-              <a:rPr lang="fr-FR" sz="5400" dirty="0" smtClean="0">
+              <a:rPr lang="fr-FR" sz="5400" dirty="0">
                 <a:latin typeface="Calibri" panose="020F0502020204030204" pitchFamily="34" charset="0"/>
               </a:rPr>
               <a:t>objets</a:t>
@@ -4398,8 +4383,8 @@
         </p:nvSpPr>
         <p:spPr bwMode="auto">
           <a:xfrm>
-            <a:off x="457200" y="2379785"/>
-            <a:ext cx="3548185" cy="3948335"/>
+            <a:off x="222739" y="1336431"/>
+            <a:ext cx="3423449" cy="4091353"/>
           </a:xfrm>
           <a:prstGeom prst="rect">
             <a:avLst/>
@@ -4425,32 +4410,12 @@
           </a:bodyPr>
           <a:lstStyle/>
           <a:p>
-            <a:pPr marL="0" marR="0" indent="0" algn="ctr" defTabSz="914400" rtl="0" eaLnBrk="1" fontAlgn="base" latinLnBrk="0" hangingPunct="1">
-              <a:lnSpc>
-                <a:spcPct val="100000"/>
-              </a:lnSpc>
+            <a:pPr algn="ctr">
               <a:spcBef>
                 <a:spcPct val="50000"/>
               </a:spcBef>
-              <a:spcAft>
-                <a:spcPct val="0"/>
-              </a:spcAft>
-              <a:buClrTx/>
-              <a:buSzTx/>
-              <a:buFontTx/>
-              <a:buNone/>
-              <a:tabLst/>
             </a:pPr>
-            <a:endParaRPr kumimoji="0" lang="fr-FR" sz="2400" b="0" i="0" u="none" strike="noStrike" cap="none" normalizeH="0" baseline="0" smtClean="0">
-              <a:ln>
-                <a:noFill/>
-              </a:ln>
-              <a:solidFill>
-                <a:schemeClr val="tx1"/>
-              </a:solidFill>
-              <a:effectLst/>
-              <a:latin typeface="Comic Sans MS" pitchFamily="66" charset="0"/>
-            </a:endParaRPr>
+            <a:endParaRPr lang="fr-FR"/>
           </a:p>
         </p:txBody>
       </p:sp>
@@ -4462,7 +4427,7 @@
         </p:nvSpPr>
         <p:spPr>
           <a:xfrm>
-            <a:off x="859693" y="1485232"/>
+            <a:off x="484555" y="441879"/>
             <a:ext cx="3454400" cy="923330"/>
           </a:xfrm>
           <a:prstGeom prst="rect">
@@ -4477,7 +4442,7 @@
           <a:lstStyle/>
           <a:p>
             <a:r>
-              <a:rPr lang="fr-FR" sz="5400" dirty="0" smtClean="0">
+              <a:rPr lang="fr-FR" sz="5400" dirty="0">
                 <a:latin typeface="Calibri" panose="020F0502020204030204" pitchFamily="34" charset="0"/>
               </a:rPr>
               <a:t>variables</a:t>
@@ -4496,7 +4461,7 @@
         </p:nvSpPr>
         <p:spPr>
           <a:xfrm>
-            <a:off x="457200" y="322926"/>
+            <a:off x="7877908" y="1033540"/>
             <a:ext cx="6669809" cy="1323439"/>
           </a:xfrm>
           <a:prstGeom prst="rect">
@@ -4511,7 +4476,7 @@
           <a:lstStyle/>
           <a:p>
             <a:r>
-              <a:rPr lang="fr-FR" sz="4000" dirty="0" smtClean="0">
+              <a:rPr lang="fr-FR" sz="4000" dirty="0">
                 <a:latin typeface="Courier New" panose="02070309020205020404" pitchFamily="49" charset="0"/>
                 <a:cs typeface="Courier New" panose="02070309020205020404" pitchFamily="49" charset="0"/>
               </a:rPr>
@@ -4537,7 +4502,7 @@
         </p:nvSpPr>
         <p:spPr>
           <a:xfrm>
-            <a:off x="6005945" y="3595255"/>
+            <a:off x="5630808" y="2551902"/>
             <a:ext cx="644237" cy="923330"/>
           </a:xfrm>
           <a:prstGeom prst="rect">
@@ -4558,7 +4523,7 @@
           <a:p>
             <a:pPr algn="ctr"/>
             <a:r>
-              <a:rPr lang="fr-FR" sz="5400" dirty="0" smtClean="0">
+              <a:rPr lang="fr-FR" sz="5400" dirty="0">
                 <a:latin typeface="Calibri" panose="020F0502020204030204" pitchFamily="34" charset="0"/>
               </a:rPr>
               <a:t>3</a:t>
@@ -4577,7 +4542,7 @@
         </p:nvSpPr>
         <p:spPr>
           <a:xfrm>
-            <a:off x="1854778" y="3595255"/>
+            <a:off x="1479640" y="2551902"/>
             <a:ext cx="1080654" cy="923330"/>
           </a:xfrm>
           <a:prstGeom prst="rect">
@@ -4597,7 +4562,7 @@
               </a:rPr>
               <a:t>a</a:t>
             </a:r>
-            <a:endParaRPr lang="fr-FR" sz="5400" dirty="0" smtClean="0">
+            <a:endParaRPr lang="fr-FR" sz="5400" dirty="0">
               <a:latin typeface="Calibri" panose="020F0502020204030204" pitchFamily="34" charset="0"/>
             </a:endParaRPr>
           </a:p>
@@ -4611,7 +4576,7 @@
         </p:nvSpPr>
         <p:spPr bwMode="auto">
           <a:xfrm>
-            <a:off x="2348346" y="3400332"/>
+            <a:off x="1973208" y="2356979"/>
             <a:ext cx="3595254" cy="776814"/>
           </a:xfrm>
           <a:custGeom>
@@ -4702,7 +4667,7 @@
         </p:nvSpPr>
         <p:spPr>
           <a:xfrm>
-            <a:off x="5243678" y="4810726"/>
+            <a:off x="4868540" y="3767373"/>
             <a:ext cx="2168770" cy="923330"/>
           </a:xfrm>
           <a:prstGeom prst="rect">
@@ -4743,7 +4708,7 @@
         </p:nvSpPr>
         <p:spPr bwMode="auto">
           <a:xfrm>
-            <a:off x="2321169" y="4255477"/>
+            <a:off x="1946031" y="3212124"/>
             <a:ext cx="2872154" cy="1370054"/>
           </a:xfrm>
           <a:custGeom>
@@ -4816,7 +4781,7 @@
         </p:nvSpPr>
         <p:spPr>
           <a:xfrm>
-            <a:off x="4021326" y="2938667"/>
+            <a:off x="3646188" y="1895314"/>
             <a:ext cx="585532" cy="923330"/>
           </a:xfrm>
           <a:prstGeom prst="rect">
@@ -4831,7 +4796,7 @@
           <a:lstStyle/>
           <a:p>
             <a:r>
-              <a:rPr lang="fr-FR" sz="5400" dirty="0" smtClean="0">
+              <a:rPr lang="fr-FR" sz="5400" dirty="0">
                 <a:solidFill>
                   <a:srgbClr val="FF0000"/>
                 </a:solidFill>
